--- a/Presentations/Antibody Target Binding Paper outline.pptx
+++ b/Presentations/Antibody Target Binding Paper outline.pptx
@@ -9,7 +9,8 @@
     <p:sldId id="258" r:id="rId3"/>
     <p:sldId id="259" r:id="rId4"/>
     <p:sldId id="260" r:id="rId5"/>
-    <p:sldId id="261" r:id="rId6"/>
+    <p:sldId id="262" r:id="rId6"/>
+    <p:sldId id="261" r:id="rId7"/>
   </p:sldIdLst>
   <p:sldSz cx="12192000" cy="6858000"/>
   <p:notesSz cx="6858000" cy="9144000"/>
@@ -4106,7 +4107,7 @@
           <a:p>
             <a:fld id="{F2AADD4F-1BD8-4F48-BED5-62EEA4DC628F}" type="datetimeFigureOut">
               <a:rPr lang="en-US" smtClean="0"/>
-              <a:t>9/29/23</a:t>
+              <a:t>10/6/23</a:t>
             </a:fld>
             <a:endParaRPr lang="en-US"/>
           </a:p>
@@ -4306,7 +4307,7 @@
           <a:p>
             <a:fld id="{F2AADD4F-1BD8-4F48-BED5-62EEA4DC628F}" type="datetimeFigureOut">
               <a:rPr lang="en-US" smtClean="0"/>
-              <a:t>9/29/23</a:t>
+              <a:t>10/6/23</a:t>
             </a:fld>
             <a:endParaRPr lang="en-US"/>
           </a:p>
@@ -4516,7 +4517,7 @@
           <a:p>
             <a:fld id="{F2AADD4F-1BD8-4F48-BED5-62EEA4DC628F}" type="datetimeFigureOut">
               <a:rPr lang="en-US" smtClean="0"/>
-              <a:t>9/29/23</a:t>
+              <a:t>10/6/23</a:t>
             </a:fld>
             <a:endParaRPr lang="en-US"/>
           </a:p>
@@ -4716,7 +4717,7 @@
           <a:p>
             <a:fld id="{F2AADD4F-1BD8-4F48-BED5-62EEA4DC628F}" type="datetimeFigureOut">
               <a:rPr lang="en-US" smtClean="0"/>
-              <a:t>9/29/23</a:t>
+              <a:t>10/6/23</a:t>
             </a:fld>
             <a:endParaRPr lang="en-US"/>
           </a:p>
@@ -4992,7 +4993,7 @@
           <a:p>
             <a:fld id="{F2AADD4F-1BD8-4F48-BED5-62EEA4DC628F}" type="datetimeFigureOut">
               <a:rPr lang="en-US" smtClean="0"/>
-              <a:t>9/29/23</a:t>
+              <a:t>10/6/23</a:t>
             </a:fld>
             <a:endParaRPr lang="en-US"/>
           </a:p>
@@ -5260,7 +5261,7 @@
           <a:p>
             <a:fld id="{F2AADD4F-1BD8-4F48-BED5-62EEA4DC628F}" type="datetimeFigureOut">
               <a:rPr lang="en-US" smtClean="0"/>
-              <a:t>9/29/23</a:t>
+              <a:t>10/6/23</a:t>
             </a:fld>
             <a:endParaRPr lang="en-US"/>
           </a:p>
@@ -5675,7 +5676,7 @@
           <a:p>
             <a:fld id="{F2AADD4F-1BD8-4F48-BED5-62EEA4DC628F}" type="datetimeFigureOut">
               <a:rPr lang="en-US" smtClean="0"/>
-              <a:t>9/29/23</a:t>
+              <a:t>10/6/23</a:t>
             </a:fld>
             <a:endParaRPr lang="en-US"/>
           </a:p>
@@ -5817,7 +5818,7 @@
           <a:p>
             <a:fld id="{F2AADD4F-1BD8-4F48-BED5-62EEA4DC628F}" type="datetimeFigureOut">
               <a:rPr lang="en-US" smtClean="0"/>
-              <a:t>9/29/23</a:t>
+              <a:t>10/6/23</a:t>
             </a:fld>
             <a:endParaRPr lang="en-US"/>
           </a:p>
@@ -5930,7 +5931,7 @@
           <a:p>
             <a:fld id="{F2AADD4F-1BD8-4F48-BED5-62EEA4DC628F}" type="datetimeFigureOut">
               <a:rPr lang="en-US" smtClean="0"/>
-              <a:t>9/29/23</a:t>
+              <a:t>10/6/23</a:t>
             </a:fld>
             <a:endParaRPr lang="en-US"/>
           </a:p>
@@ -6243,7 +6244,7 @@
           <a:p>
             <a:fld id="{F2AADD4F-1BD8-4F48-BED5-62EEA4DC628F}" type="datetimeFigureOut">
               <a:rPr lang="en-US" smtClean="0"/>
-              <a:t>9/29/23</a:t>
+              <a:t>10/6/23</a:t>
             </a:fld>
             <a:endParaRPr lang="en-US"/>
           </a:p>
@@ -6532,7 +6533,7 @@
           <a:p>
             <a:fld id="{F2AADD4F-1BD8-4F48-BED5-62EEA4DC628F}" type="datetimeFigureOut">
               <a:rPr lang="en-US" smtClean="0"/>
-              <a:t>9/29/23</a:t>
+              <a:t>10/6/23</a:t>
             </a:fld>
             <a:endParaRPr lang="en-US"/>
           </a:p>
@@ -6775,7 +6776,7 @@
           <a:p>
             <a:fld id="{F2AADD4F-1BD8-4F48-BED5-62EEA4DC628F}" type="datetimeFigureOut">
               <a:rPr lang="en-US" smtClean="0"/>
-              <a:t>9/29/23</a:t>
+              <a:t>10/6/23</a:t>
             </a:fld>
             <a:endParaRPr lang="en-US"/>
           </a:p>
@@ -7352,7 +7353,7 @@
             <a:pPr algn="ctr"/>
             <a:r>
               <a:rPr lang="en-US" dirty="0"/>
-              <a:t>1: Are there any differences between the modelling methodologies for second binding event?</a:t>
+              <a:t>Side objective: Are there any differences between the modelling methodologies for second binding event?</a:t>
             </a:r>
           </a:p>
         </p:txBody>
@@ -7401,7 +7402,7 @@
             <a:pPr algn="ctr"/>
             <a:r>
               <a:rPr lang="en-US" dirty="0"/>
-              <a:t>2: What are they key parameters affecting antibody-target binding dynamics, receptor occupancy and bound antibody number?</a:t>
+              <a:t>1: What are they key parameters affecting antibody-target binding dynamics, receptor occupancy and bound antibody number?</a:t>
             </a:r>
           </a:p>
         </p:txBody>
@@ -7450,7 +7451,7 @@
             <a:pPr algn="ctr"/>
             <a:r>
               <a:rPr lang="en-US" dirty="0"/>
-              <a:t>3: What conditions are optimal for an antibody to gain an avidity effect?</a:t>
+              <a:t>2: What conditions are optimal for an antibody to gain an avidity effect?</a:t>
             </a:r>
           </a:p>
         </p:txBody>
@@ -7642,7 +7643,7 @@
             <a:pPr algn="ctr"/>
             <a:r>
               <a:rPr lang="en-US" dirty="0"/>
-              <a:t>1: The methodologies predict the same outcomes for the analysis shown </a:t>
+              <a:t> The methodologies predict the same outcomes for the analysis shown </a:t>
             </a:r>
           </a:p>
         </p:txBody>
@@ -7696,7 +7697,7 @@
             <a:pPr algn="ctr"/>
             <a:r>
               <a:rPr lang="en-US" dirty="0"/>
-              <a:t>3: There are optimum KDs and </a:t>
+              <a:t>2: There are optimum KDs and </a:t>
             </a:r>
             <a:r>
               <a:rPr lang="en-US" dirty="0" err="1"/>
@@ -7758,7 +7759,7 @@
             <a:pPr algn="ctr"/>
             <a:r>
               <a:rPr lang="en-US" dirty="0"/>
-              <a:t>2: The ratio of antibody to receptor is important; it affects binding dynamics and steady state binding states and sensitivities. There are different sensitivities for RO and bound ab with </a:t>
+              <a:t>1: The ratio of antibody to receptor is important; it affects binding dynamics and steady state binding states and sensitivities. There are different sensitivities for RO and bound ab with </a:t>
             </a:r>
             <a:r>
               <a:rPr lang="en-US" dirty="0" err="1"/>
@@ -7829,17 +7830,17 @@
           <a:p>
             <a:r>
               <a:rPr lang="en-US" dirty="0"/>
-              <a:t>Objectives 1 and 2 Figures</a:t>
+              <a:t>Objective 1 Figures</a:t>
             </a:r>
           </a:p>
         </p:txBody>
       </p:sp>
       <p:pic>
         <p:nvPicPr>
-          <p:cNvPr id="20" name="Picture 19" descr="A diagram of a cell line&#10;&#10;Description automatically generated">
-            <a:extLst>
-              <a:ext uri="{FF2B5EF4-FFF2-40B4-BE49-F238E27FC236}">
-                <a16:creationId xmlns:a16="http://schemas.microsoft.com/office/drawing/2014/main" id="{C1832BBA-EC88-2AEA-4144-9FC1F969DAEC}"/>
+          <p:cNvPr id="23" name="Picture 22" descr="A graph of a number of numbers&#10;&#10;Description automatically generated with medium confidence">
+            <a:extLst>
+              <a:ext uri="{FF2B5EF4-FFF2-40B4-BE49-F238E27FC236}">
+                <a16:creationId xmlns:a16="http://schemas.microsoft.com/office/drawing/2014/main" id="{4BF44ABF-3EF8-6225-DA36-966A4073173F}"/>
               </a:ext>
             </a:extLst>
           </p:cNvPr>
@@ -7856,8 +7857,8 @@
         </p:blipFill>
         <p:spPr>
           <a:xfrm>
-            <a:off x="0" y="1773236"/>
-            <a:ext cx="3623607" cy="1655763"/>
+            <a:off x="138113" y="4628040"/>
+            <a:ext cx="1884591" cy="1659179"/>
           </a:xfrm>
           <a:prstGeom prst="rect">
             <a:avLst/>
@@ -7866,10 +7867,10 @@
       </p:pic>
       <p:pic>
         <p:nvPicPr>
-          <p:cNvPr id="21" name="Picture 20" descr="A chart with numbers and a square&#10;&#10;Description automatically generated with medium confidence">
-            <a:extLst>
-              <a:ext uri="{FF2B5EF4-FFF2-40B4-BE49-F238E27FC236}">
-                <a16:creationId xmlns:a16="http://schemas.microsoft.com/office/drawing/2014/main" id="{39C8DB7A-29DE-22D5-10DC-3F6FC1FE5A0B}"/>
+          <p:cNvPr id="24" name="Picture 23" descr="A chart of a number of numbers&#10;&#10;Description automatically generated with medium confidence">
+            <a:extLst>
+              <a:ext uri="{FF2B5EF4-FFF2-40B4-BE49-F238E27FC236}">
+                <a16:creationId xmlns:a16="http://schemas.microsoft.com/office/drawing/2014/main" id="{71EDA15B-F78B-BE13-1CD5-AF815B159A73}"/>
               </a:ext>
             </a:extLst>
           </p:cNvPr>
@@ -7886,8 +7887,8 @@
         </p:blipFill>
         <p:spPr>
           <a:xfrm>
-            <a:off x="6038723" y="858680"/>
-            <a:ext cx="1884591" cy="1659180"/>
+            <a:off x="2177526" y="4684170"/>
+            <a:ext cx="1847240" cy="1626296"/>
           </a:xfrm>
           <a:prstGeom prst="rect">
             <a:avLst/>
@@ -7896,10 +7897,10 @@
       </p:pic>
       <p:pic>
         <p:nvPicPr>
-          <p:cNvPr id="22" name="Picture 21" descr="A chart of a number of numbers&#10;&#10;Description automatically generated with medium confidence">
-            <a:extLst>
-              <a:ext uri="{FF2B5EF4-FFF2-40B4-BE49-F238E27FC236}">
-                <a16:creationId xmlns:a16="http://schemas.microsoft.com/office/drawing/2014/main" id="{5737C1F2-3DA0-FA80-2440-4C1DC9C52C49}"/>
+          <p:cNvPr id="31" name="Picture 30" descr="A diagram of a reaction&#10;&#10;Description automatically generated">
+            <a:extLst>
+              <a:ext uri="{FF2B5EF4-FFF2-40B4-BE49-F238E27FC236}">
+                <a16:creationId xmlns:a16="http://schemas.microsoft.com/office/drawing/2014/main" id="{C666A437-42F7-41FD-83D1-968A3E97996D}"/>
               </a:ext>
             </a:extLst>
           </p:cNvPr>
@@ -7916,8 +7917,8 @@
         </p:blipFill>
         <p:spPr>
           <a:xfrm>
-            <a:off x="6038723" y="2479544"/>
-            <a:ext cx="1880710" cy="1655763"/>
+            <a:off x="138113" y="1802705"/>
+            <a:ext cx="3477173" cy="1626295"/>
           </a:xfrm>
           <a:prstGeom prst="rect">
             <a:avLst/>
@@ -7926,10 +7927,10 @@
       </p:pic>
       <p:pic>
         <p:nvPicPr>
-          <p:cNvPr id="23" name="Picture 22" descr="A graph of a number of numbers&#10;&#10;Description automatically generated with medium confidence">
-            <a:extLst>
-              <a:ext uri="{FF2B5EF4-FFF2-40B4-BE49-F238E27FC236}">
-                <a16:creationId xmlns:a16="http://schemas.microsoft.com/office/drawing/2014/main" id="{4BF44ABF-3EF8-6225-DA36-966A4073173F}"/>
+          <p:cNvPr id="4" name="Picture 3" descr="A graph of different colored squares&#10;&#10;Description automatically generated">
+            <a:extLst>
+              <a:ext uri="{FF2B5EF4-FFF2-40B4-BE49-F238E27FC236}">
+                <a16:creationId xmlns:a16="http://schemas.microsoft.com/office/drawing/2014/main" id="{4386AEA5-5852-4DAA-60AC-E78DF20A43A0}"/>
               </a:ext>
             </a:extLst>
           </p:cNvPr>
@@ -7946,8 +7947,8 @@
         </p:blipFill>
         <p:spPr>
           <a:xfrm>
-            <a:off x="4154132" y="858681"/>
-            <a:ext cx="1884591" cy="1659179"/>
+            <a:off x="4352645" y="4184478"/>
+            <a:ext cx="3251610" cy="2167740"/>
           </a:xfrm>
           <a:prstGeom prst="rect">
             <a:avLst/>
@@ -7956,10 +7957,10 @@
       </p:pic>
       <p:pic>
         <p:nvPicPr>
-          <p:cNvPr id="24" name="Picture 23" descr="A chart of a number of numbers&#10;&#10;Description automatically generated with medium confidence">
-            <a:extLst>
-              <a:ext uri="{FF2B5EF4-FFF2-40B4-BE49-F238E27FC236}">
-                <a16:creationId xmlns:a16="http://schemas.microsoft.com/office/drawing/2014/main" id="{71EDA15B-F78B-BE13-1CD5-AF815B159A73}"/>
+          <p:cNvPr id="6" name="Picture 5" descr="A graph of different colored squares&#10;&#10;Description automatically generated">
+            <a:extLst>
+              <a:ext uri="{FF2B5EF4-FFF2-40B4-BE49-F238E27FC236}">
+                <a16:creationId xmlns:a16="http://schemas.microsoft.com/office/drawing/2014/main" id="{F62B8292-E848-91AE-DE0F-C652BC77CE7E}"/>
               </a:ext>
             </a:extLst>
           </p:cNvPr>
@@ -7976,8 +7977,8 @@
         </p:blipFill>
         <p:spPr>
           <a:xfrm>
-            <a:off x="4208218" y="2412361"/>
-            <a:ext cx="1847240" cy="1626296"/>
+            <a:off x="4470195" y="1632540"/>
+            <a:ext cx="3251610" cy="2167740"/>
           </a:xfrm>
           <a:prstGeom prst="rect">
             <a:avLst/>
@@ -7986,10 +7987,10 @@
       </p:pic>
       <p:pic>
         <p:nvPicPr>
-          <p:cNvPr id="25" name="Picture 24" descr="A graph of different colored bars&#10;&#10;Description automatically generated">
-            <a:extLst>
-              <a:ext uri="{FF2B5EF4-FFF2-40B4-BE49-F238E27FC236}">
-                <a16:creationId xmlns:a16="http://schemas.microsoft.com/office/drawing/2014/main" id="{8C3204E4-1242-3B9E-F54A-811CD8CE5DDF}"/>
+          <p:cNvPr id="8" name="Picture 7" descr="A graph with lines and numbers&#10;&#10;Description automatically generated">
+            <a:extLst>
+              <a:ext uri="{FF2B5EF4-FFF2-40B4-BE49-F238E27FC236}">
+                <a16:creationId xmlns:a16="http://schemas.microsoft.com/office/drawing/2014/main" id="{DEAF57B0-E50B-2862-1403-A7C6C19F8D5E}"/>
               </a:ext>
             </a:extLst>
           </p:cNvPr>
@@ -8006,8 +8007,8 @@
         </p:blipFill>
         <p:spPr>
           <a:xfrm>
-            <a:off x="4110702" y="4081653"/>
-            <a:ext cx="2058584" cy="1372389"/>
+            <a:off x="9958220" y="1835049"/>
+            <a:ext cx="2018563" cy="1513922"/>
           </a:xfrm>
           <a:prstGeom prst="rect">
             <a:avLst/>
@@ -8016,10 +8017,10 @@
       </p:pic>
       <p:pic>
         <p:nvPicPr>
-          <p:cNvPr id="26" name="Picture 25" descr="A graph of different colored bars&#10;&#10;Description automatically generated">
-            <a:extLst>
-              <a:ext uri="{FF2B5EF4-FFF2-40B4-BE49-F238E27FC236}">
-                <a16:creationId xmlns:a16="http://schemas.microsoft.com/office/drawing/2014/main" id="{F23FBBFC-0AE6-6745-D5F4-478854BCB269}"/>
+          <p:cNvPr id="10" name="Picture 9" descr="A graph with lines and numbers&#10;&#10;Description automatically generated">
+            <a:extLst>
+              <a:ext uri="{FF2B5EF4-FFF2-40B4-BE49-F238E27FC236}">
+                <a16:creationId xmlns:a16="http://schemas.microsoft.com/office/drawing/2014/main" id="{772F6A35-27B2-1115-9CAC-89CCE96AD48E}"/>
               </a:ext>
             </a:extLst>
           </p:cNvPr>
@@ -8036,8 +8037,8 @@
         </p:blipFill>
         <p:spPr>
           <a:xfrm>
-            <a:off x="4110702" y="5447214"/>
-            <a:ext cx="2000988" cy="1333992"/>
+            <a:off x="7939657" y="3541374"/>
+            <a:ext cx="2018563" cy="1513922"/>
           </a:xfrm>
           <a:prstGeom prst="rect">
             <a:avLst/>
@@ -8046,10 +8047,10 @@
       </p:pic>
       <p:pic>
         <p:nvPicPr>
-          <p:cNvPr id="27" name="Picture 26" descr="A graph of different colored bars&#10;&#10;Description automatically generated">
-            <a:extLst>
-              <a:ext uri="{FF2B5EF4-FFF2-40B4-BE49-F238E27FC236}">
-                <a16:creationId xmlns:a16="http://schemas.microsoft.com/office/drawing/2014/main" id="{8FF979E3-6CAF-D370-B699-95BC6AE14883}"/>
+          <p:cNvPr id="12" name="Picture 11" descr="A graph with a line graph and numbers&#10;&#10;Description automatically generated with medium confidence">
+            <a:extLst>
+              <a:ext uri="{FF2B5EF4-FFF2-40B4-BE49-F238E27FC236}">
+                <a16:creationId xmlns:a16="http://schemas.microsoft.com/office/drawing/2014/main" id="{260FBCF8-359E-4158-169D-DC27F8676971}"/>
               </a:ext>
             </a:extLst>
           </p:cNvPr>
@@ -8066,8 +8067,8 @@
         </p:blipFill>
         <p:spPr>
           <a:xfrm>
-            <a:off x="6057985" y="4117106"/>
-            <a:ext cx="1988345" cy="1325563"/>
+            <a:off x="9957964" y="3509030"/>
+            <a:ext cx="2018563" cy="1513922"/>
           </a:xfrm>
           <a:prstGeom prst="rect">
             <a:avLst/>
@@ -8076,10 +8077,10 @@
       </p:pic>
       <p:pic>
         <p:nvPicPr>
-          <p:cNvPr id="28" name="Picture 27" descr="A graph of different colored bars&#10;&#10;Description automatically generated">
-            <a:extLst>
-              <a:ext uri="{FF2B5EF4-FFF2-40B4-BE49-F238E27FC236}">
-                <a16:creationId xmlns:a16="http://schemas.microsoft.com/office/drawing/2014/main" id="{6E4F8272-5D20-C1A8-71E3-69AFEBEAD623}"/>
+          <p:cNvPr id="14" name="Picture 13" descr="A graph with red and green lines&#10;&#10;Description automatically generated">
+            <a:extLst>
+              <a:ext uri="{FF2B5EF4-FFF2-40B4-BE49-F238E27FC236}">
+                <a16:creationId xmlns:a16="http://schemas.microsoft.com/office/drawing/2014/main" id="{342EF2F5-1187-9832-1D90-81D2979CF051}"/>
               </a:ext>
             </a:extLst>
           </p:cNvPr>
@@ -8096,68 +8097,8 @@
         </p:blipFill>
         <p:spPr>
           <a:xfrm>
-            <a:off x="6038723" y="5435178"/>
-            <a:ext cx="1988344" cy="1325563"/>
-          </a:xfrm>
-          <a:prstGeom prst="rect">
-            <a:avLst/>
-          </a:prstGeom>
-        </p:spPr>
-      </p:pic>
-      <p:pic>
-        <p:nvPicPr>
-          <p:cNvPr id="29" name="Picture 28" descr="A graph of a function&#10;&#10;Description automatically generated with medium confidence">
-            <a:extLst>
-              <a:ext uri="{FF2B5EF4-FFF2-40B4-BE49-F238E27FC236}">
-                <a16:creationId xmlns:a16="http://schemas.microsoft.com/office/drawing/2014/main" id="{30453DE2-BCB5-5985-D809-6B7841FCAF46}"/>
-              </a:ext>
-            </a:extLst>
-          </p:cNvPr>
-          <p:cNvPicPr>
-            <a:picLocks noChangeAspect="1"/>
-          </p:cNvPicPr>
-          <p:nvPr/>
-        </p:nvPicPr>
-        <p:blipFill>
-          <a:blip r:embed="rId11"/>
-          <a:stretch>
-            <a:fillRect/>
-          </a:stretch>
-        </p:blipFill>
-        <p:spPr>
-          <a:xfrm>
-            <a:off x="8373501" y="1392278"/>
-            <a:ext cx="3623608" cy="3159043"/>
-          </a:xfrm>
-          <a:prstGeom prst="rect">
-            <a:avLst/>
-          </a:prstGeom>
-        </p:spPr>
-      </p:pic>
-      <p:pic>
-        <p:nvPicPr>
-          <p:cNvPr id="31" name="Picture 30" descr="A diagram of a reaction&#10;&#10;Description automatically generated">
-            <a:extLst>
-              <a:ext uri="{FF2B5EF4-FFF2-40B4-BE49-F238E27FC236}">
-                <a16:creationId xmlns:a16="http://schemas.microsoft.com/office/drawing/2014/main" id="{C666A437-42F7-41FD-83D1-968A3E97996D}"/>
-              </a:ext>
-            </a:extLst>
-          </p:cNvPr>
-          <p:cNvPicPr>
-            <a:picLocks noChangeAspect="1"/>
-          </p:cNvPicPr>
-          <p:nvPr/>
-        </p:nvPicPr>
-        <p:blipFill>
-          <a:blip r:embed="rId12"/>
-          <a:stretch>
-            <a:fillRect/>
-          </a:stretch>
-        </p:blipFill>
-        <p:spPr>
-          <a:xfrm>
-            <a:off x="117082" y="3864218"/>
-            <a:ext cx="3477173" cy="1626295"/>
+            <a:off x="7887550" y="1802705"/>
+            <a:ext cx="2018563" cy="1513922"/>
           </a:xfrm>
           <a:prstGeom prst="rect">
             <a:avLst/>
@@ -8217,7 +8158,7 @@
           <a:p>
             <a:r>
               <a:rPr lang="en-US" dirty="0"/>
-              <a:t>Objective 3 Figures</a:t>
+              <a:t>Objective 2 Figures</a:t>
             </a:r>
           </a:p>
         </p:txBody>
@@ -8244,7 +8185,7 @@
         </p:blipFill>
         <p:spPr>
           <a:xfrm>
-            <a:off x="349331" y="1362082"/>
+            <a:off x="-97253" y="1407787"/>
             <a:ext cx="4094082" cy="2456449"/>
           </a:xfrm>
           <a:prstGeom prst="rect">
@@ -8274,8 +8215,157 @@
         </p:blipFill>
         <p:spPr>
           <a:xfrm>
-            <a:off x="468258" y="4036425"/>
+            <a:off x="0" y="4053787"/>
             <a:ext cx="4094083" cy="2456450"/>
+          </a:xfrm>
+          <a:prstGeom prst="rect">
+            <a:avLst/>
+          </a:prstGeom>
+        </p:spPr>
+      </p:pic>
+      <p:sp>
+        <p:nvSpPr>
+          <p:cNvPr id="9" name="Title 1">
+            <a:extLst>
+              <a:ext uri="{FF2B5EF4-FFF2-40B4-BE49-F238E27FC236}">
+                <a16:creationId xmlns:a16="http://schemas.microsoft.com/office/drawing/2014/main" id="{02CBAF90-30C5-AD26-879F-3653A3B22BC9}"/>
+              </a:ext>
+            </a:extLst>
+          </p:cNvPr>
+          <p:cNvSpPr>
+            <a:spLocks noGrp="1"/>
+          </p:cNvSpPr>
+          <p:nvPr/>
+        </p:nvSpPr>
+        <p:spPr>
+          <a:xfrm>
+            <a:off x="3942020" y="1709736"/>
+            <a:ext cx="8476217" cy="817881"/>
+          </a:xfrm>
+          <a:prstGeom prst="rect">
+            <a:avLst/>
+          </a:prstGeom>
+        </p:spPr>
+        <p:style>
+          <a:lnRef idx="0">
+            <a:scrgbClr r="0" g="0" b="0"/>
+          </a:lnRef>
+          <a:fillRef idx="0">
+            <a:scrgbClr r="0" g="0" b="0"/>
+          </a:fillRef>
+          <a:effectRef idx="0">
+            <a:scrgbClr r="0" g="0" b="0"/>
+          </a:effectRef>
+          <a:fontRef idx="major"/>
+        </p:style>
+        <p:txBody>
+          <a:bodyPr vert="horz" lIns="91440" tIns="45720" rIns="91440" bIns="45720" rtlCol="0" anchor="b">
+            <a:normAutofit/>
+          </a:bodyPr>
+          <a:lstStyle>
+            <a:lvl1pPr algn="l" defTabSz="914400" rtl="0" eaLnBrk="1" latinLnBrk="0" hangingPunct="1">
+              <a:lnSpc>
+                <a:spcPct val="90000"/>
+              </a:lnSpc>
+              <a:spcBef>
+                <a:spcPct val="0"/>
+              </a:spcBef>
+              <a:buNone/>
+              <a:defRPr sz="4400" kern="1200">
+                <a:solidFill>
+                  <a:schemeClr val="tx1"/>
+                </a:solidFill>
+                <a:latin typeface="+mj-lt"/>
+                <a:ea typeface="+mj-ea"/>
+                <a:cs typeface="+mj-cs"/>
+              </a:defRPr>
+            </a:lvl1pPr>
+            <a:lvl2pPr>
+              <a:defRPr>
+                <a:latin typeface="+mj-lt"/>
+                <a:ea typeface="+mj-ea"/>
+                <a:cs typeface="+mj-cs"/>
+              </a:defRPr>
+            </a:lvl2pPr>
+            <a:lvl3pPr>
+              <a:defRPr>
+                <a:latin typeface="+mj-lt"/>
+                <a:ea typeface="+mj-ea"/>
+                <a:cs typeface="+mj-cs"/>
+              </a:defRPr>
+            </a:lvl3pPr>
+            <a:lvl4pPr>
+              <a:defRPr>
+                <a:latin typeface="+mj-lt"/>
+                <a:ea typeface="+mj-ea"/>
+                <a:cs typeface="+mj-cs"/>
+              </a:defRPr>
+            </a:lvl4pPr>
+            <a:lvl5pPr>
+              <a:defRPr>
+                <a:latin typeface="+mj-lt"/>
+                <a:ea typeface="+mj-ea"/>
+                <a:cs typeface="+mj-cs"/>
+              </a:defRPr>
+            </a:lvl5pPr>
+            <a:lvl6pPr>
+              <a:defRPr>
+                <a:latin typeface="+mj-lt"/>
+                <a:ea typeface="+mj-ea"/>
+                <a:cs typeface="+mj-cs"/>
+              </a:defRPr>
+            </a:lvl6pPr>
+            <a:lvl7pPr>
+              <a:defRPr>
+                <a:latin typeface="+mj-lt"/>
+                <a:ea typeface="+mj-ea"/>
+                <a:cs typeface="+mj-cs"/>
+              </a:defRPr>
+            </a:lvl7pPr>
+            <a:lvl8pPr>
+              <a:defRPr>
+                <a:latin typeface="+mj-lt"/>
+                <a:ea typeface="+mj-ea"/>
+                <a:cs typeface="+mj-cs"/>
+              </a:defRPr>
+            </a:lvl8pPr>
+            <a:lvl9pPr>
+              <a:defRPr>
+                <a:latin typeface="+mj-lt"/>
+                <a:ea typeface="+mj-ea"/>
+                <a:cs typeface="+mj-cs"/>
+              </a:defRPr>
+            </a:lvl9pPr>
+          </a:lstStyle>
+          <a:p>
+            <a:pPr algn="ctr"/>
+            <a:endParaRPr lang="en-US" sz="5200"/>
+          </a:p>
+        </p:txBody>
+      </p:sp>
+      <p:pic>
+        <p:nvPicPr>
+          <p:cNvPr id="10" name="Picture 9" descr="A blurry image of a red and purple light&#10;&#10;Description automatically generated with medium confidence">
+            <a:extLst>
+              <a:ext uri="{FF2B5EF4-FFF2-40B4-BE49-F238E27FC236}">
+                <a16:creationId xmlns:a16="http://schemas.microsoft.com/office/drawing/2014/main" id="{EF1E5FD3-5A4E-57C3-2FB2-438563A856D8}"/>
+              </a:ext>
+            </a:extLst>
+          </p:cNvPr>
+          <p:cNvPicPr>
+            <a:picLocks noChangeAspect="1"/>
+          </p:cNvPicPr>
+          <p:nvPr/>
+        </p:nvPicPr>
+        <p:blipFill rotWithShape="1">
+          <a:blip r:embed="rId4"/>
+          <a:srcRect r="13861"/>
+          <a:stretch/>
+        </p:blipFill>
+        <p:spPr>
+          <a:xfrm>
+            <a:off x="3820416" y="1330188"/>
+            <a:ext cx="2830532" cy="2628823"/>
           </a:xfrm>
           <a:prstGeom prst="rect">
             <a:avLst/>
@@ -8284,39 +8374,39 @@
       </p:pic>
       <p:pic>
         <p:nvPicPr>
-          <p:cNvPr id="6" name="Content Placeholder 4" descr="A close-up of a graph&#10;&#10;Description automatically generated">
-            <a:extLst>
-              <a:ext uri="{FF2B5EF4-FFF2-40B4-BE49-F238E27FC236}">
-                <a16:creationId xmlns:a16="http://schemas.microsoft.com/office/drawing/2014/main" id="{186A94E9-1432-7412-5FC0-DC27BD4A55E5}"/>
+          <p:cNvPr id="11" name="Content Placeholder 10" descr="A blurry image of a red and purple gradient&#10;&#10;Description automatically generated">
+            <a:extLst>
+              <a:ext uri="{FF2B5EF4-FFF2-40B4-BE49-F238E27FC236}">
+                <a16:creationId xmlns:a16="http://schemas.microsoft.com/office/drawing/2014/main" id="{12B2101A-E2E6-4853-E78D-2F5CE61E37F8}"/>
               </a:ext>
             </a:extLst>
           </p:cNvPr>
           <p:cNvPicPr>
             <a:picLocks noGrp="1" noChangeAspect="1"/>
           </p:cNvPicPr>
-          <p:nvPr>
-            <p:ph idx="1"/>
-          </p:nvPr>
+          <p:nvPr/>
         </p:nvPicPr>
-        <p:blipFill>
-          <a:blip r:embed="rId4"/>
-          <a:stretch>
-            <a:fillRect/>
-          </a:stretch>
+        <p:blipFill rotWithShape="1">
+          <a:blip r:embed="rId5"/>
+          <a:srcRect r="12927"/>
+          <a:stretch/>
         </p:blipFill>
         <p:spPr>
           <a:xfrm>
-            <a:off x="6096000" y="365125"/>
-            <a:ext cx="4700552" cy="3499300"/>
+            <a:off x="6483874" y="1407787"/>
+            <a:ext cx="2861247" cy="2628823"/>
           </a:xfrm>
+          <a:prstGeom prst="rect">
+            <a:avLst/>
+          </a:prstGeom>
         </p:spPr>
       </p:pic>
       <p:pic>
         <p:nvPicPr>
-          <p:cNvPr id="7" name="Picture 6" descr="A close-up of a gradient&#10;&#10;Description automatically generated">
-            <a:extLst>
-              <a:ext uri="{FF2B5EF4-FFF2-40B4-BE49-F238E27FC236}">
-                <a16:creationId xmlns:a16="http://schemas.microsoft.com/office/drawing/2014/main" id="{5601BDC3-7DDC-27F5-A70D-BE795C879A41}"/>
+          <p:cNvPr id="12" name="Picture 11" descr="A screen shot of a chart&#10;&#10;Description automatically generated">
+            <a:extLst>
+              <a:ext uri="{FF2B5EF4-FFF2-40B4-BE49-F238E27FC236}">
+                <a16:creationId xmlns:a16="http://schemas.microsoft.com/office/drawing/2014/main" id="{2534CCB5-0B98-7966-F720-E0BE19FBCF96}"/>
               </a:ext>
             </a:extLst>
           </p:cNvPr>
@@ -8325,16 +8415,102 @@
           </p:cNvPicPr>
           <p:nvPr/>
         </p:nvPicPr>
-        <p:blipFill>
-          <a:blip r:embed="rId5"/>
-          <a:stretch>
-            <a:fillRect/>
-          </a:stretch>
+        <p:blipFill rotWithShape="1">
+          <a:blip r:embed="rId6"/>
+          <a:srcRect r="12635"/>
+          <a:stretch/>
         </p:blipFill>
         <p:spPr>
           <a:xfrm>
-            <a:off x="6490843" y="3818531"/>
-            <a:ext cx="4082868" cy="3039469"/>
+            <a:off x="9182925" y="1392582"/>
+            <a:ext cx="2870844" cy="2628823"/>
+          </a:xfrm>
+          <a:prstGeom prst="rect">
+            <a:avLst/>
+          </a:prstGeom>
+        </p:spPr>
+      </p:pic>
+      <p:pic>
+        <p:nvPicPr>
+          <p:cNvPr id="13" name="Picture 12" descr="A chart with a gradient&#10;&#10;Description automatically generated with medium confidence">
+            <a:extLst>
+              <a:ext uri="{FF2B5EF4-FFF2-40B4-BE49-F238E27FC236}">
+                <a16:creationId xmlns:a16="http://schemas.microsoft.com/office/drawing/2014/main" id="{15699F61-A0FC-0F6F-2D37-5056CFB17B5D}"/>
+              </a:ext>
+            </a:extLst>
+          </p:cNvPr>
+          <p:cNvPicPr>
+            <a:picLocks noChangeAspect="1"/>
+          </p:cNvPicPr>
+          <p:nvPr/>
+        </p:nvPicPr>
+        <p:blipFill rotWithShape="1">
+          <a:blip r:embed="rId7"/>
+          <a:srcRect r="12261"/>
+          <a:stretch/>
+        </p:blipFill>
+        <p:spPr>
+          <a:xfrm>
+            <a:off x="9308880" y="3848847"/>
+            <a:ext cx="2883120" cy="2628823"/>
+          </a:xfrm>
+          <a:prstGeom prst="rect">
+            <a:avLst/>
+          </a:prstGeom>
+        </p:spPr>
+      </p:pic>
+      <p:pic>
+        <p:nvPicPr>
+          <p:cNvPr id="14" name="Picture 13" descr="A screen shot of a chart&#10;&#10;Description automatically generated">
+            <a:extLst>
+              <a:ext uri="{FF2B5EF4-FFF2-40B4-BE49-F238E27FC236}">
+                <a16:creationId xmlns:a16="http://schemas.microsoft.com/office/drawing/2014/main" id="{A15FF6A1-18E2-DD36-019C-C214E2CBEFC5}"/>
+              </a:ext>
+            </a:extLst>
+          </p:cNvPr>
+          <p:cNvPicPr>
+            <a:picLocks noChangeAspect="1"/>
+          </p:cNvPicPr>
+          <p:nvPr/>
+        </p:nvPicPr>
+        <p:blipFill rotWithShape="1">
+          <a:blip r:embed="rId8"/>
+          <a:srcRect r="12477"/>
+          <a:stretch/>
+        </p:blipFill>
+        <p:spPr>
+          <a:xfrm>
+            <a:off x="6553827" y="3864052"/>
+            <a:ext cx="2876040" cy="2628823"/>
+          </a:xfrm>
+          <a:prstGeom prst="rect">
+            <a:avLst/>
+          </a:prstGeom>
+        </p:spPr>
+      </p:pic>
+      <p:pic>
+        <p:nvPicPr>
+          <p:cNvPr id="15" name="Picture 14" descr="A blurry image of a red and blue gradient&#10;&#10;Description automatically generated">
+            <a:extLst>
+              <a:ext uri="{FF2B5EF4-FFF2-40B4-BE49-F238E27FC236}">
+                <a16:creationId xmlns:a16="http://schemas.microsoft.com/office/drawing/2014/main" id="{77D477AA-9E62-81B2-9835-D5BCFD3581B5}"/>
+              </a:ext>
+            </a:extLst>
+          </p:cNvPr>
+          <p:cNvPicPr>
+            <a:picLocks noChangeAspect="1"/>
+          </p:cNvPicPr>
+          <p:nvPr/>
+        </p:nvPicPr>
+        <p:blipFill rotWithShape="1">
+          <a:blip r:embed="rId9"/>
+          <a:srcRect r="12037"/>
+          <a:stretch/>
+        </p:blipFill>
+        <p:spPr>
+          <a:xfrm>
+            <a:off x="3829548" y="3872732"/>
+            <a:ext cx="2890515" cy="2628823"/>
           </a:xfrm>
           <a:prstGeom prst="rect">
             <a:avLst/>
@@ -8355,6 +8531,86 @@
 </file>
 
 <file path=ppt/slides/slide5.xml><?xml version="1.0" encoding="utf-8"?>
+<p:sld xmlns:a="http://schemas.openxmlformats.org/drawingml/2006/main" xmlns:r="http://schemas.openxmlformats.org/officeDocument/2006/relationships" xmlns:p="http://schemas.openxmlformats.org/presentationml/2006/main">
+  <p:cSld>
+    <p:spTree>
+      <p:nvGrpSpPr>
+        <p:cNvPr id="1" name=""/>
+        <p:cNvGrpSpPr/>
+        <p:nvPr/>
+      </p:nvGrpSpPr>
+      <p:grpSpPr>
+        <a:xfrm>
+          <a:off x="0" y="0"/>
+          <a:ext cx="0" cy="0"/>
+          <a:chOff x="0" y="0"/>
+          <a:chExt cx="0" cy="0"/>
+        </a:xfrm>
+      </p:grpSpPr>
+      <p:sp>
+        <p:nvSpPr>
+          <p:cNvPr id="2" name="Title 1">
+            <a:extLst>
+              <a:ext uri="{FF2B5EF4-FFF2-40B4-BE49-F238E27FC236}">
+                <a16:creationId xmlns:a16="http://schemas.microsoft.com/office/drawing/2014/main" id="{B202AFD6-D73F-E237-E48F-4AAF8AF8BB31}"/>
+              </a:ext>
+            </a:extLst>
+          </p:cNvPr>
+          <p:cNvSpPr>
+            <a:spLocks noGrp="1"/>
+          </p:cNvSpPr>
+          <p:nvPr>
+            <p:ph type="title"/>
+          </p:nvPr>
+        </p:nvSpPr>
+        <p:spPr/>
+        <p:txBody>
+          <a:bodyPr/>
+          <a:lstStyle/>
+          <a:p>
+            <a:endParaRPr lang="en-US"/>
+          </a:p>
+        </p:txBody>
+      </p:sp>
+      <p:sp>
+        <p:nvSpPr>
+          <p:cNvPr id="3" name="Content Placeholder 2">
+            <a:extLst>
+              <a:ext uri="{FF2B5EF4-FFF2-40B4-BE49-F238E27FC236}">
+                <a16:creationId xmlns:a16="http://schemas.microsoft.com/office/drawing/2014/main" id="{EC2B9CAE-024E-41C3-8A9B-AE6CA06CE8C0}"/>
+              </a:ext>
+            </a:extLst>
+          </p:cNvPr>
+          <p:cNvSpPr>
+            <a:spLocks noGrp="1"/>
+          </p:cNvSpPr>
+          <p:nvPr>
+            <p:ph idx="1"/>
+          </p:nvPr>
+        </p:nvSpPr>
+        <p:spPr/>
+        <p:txBody>
+          <a:bodyPr/>
+          <a:lstStyle/>
+          <a:p>
+            <a:endParaRPr lang="en-US"/>
+          </a:p>
+        </p:txBody>
+      </p:sp>
+    </p:spTree>
+    <p:extLst>
+      <p:ext uri="{BB962C8B-B14F-4D97-AF65-F5344CB8AC3E}">
+        <p14:creationId xmlns:p14="http://schemas.microsoft.com/office/powerpoint/2010/main" val="1595505823"/>
+      </p:ext>
+    </p:extLst>
+  </p:cSld>
+  <p:clrMapOvr>
+    <a:masterClrMapping/>
+  </p:clrMapOvr>
+</p:sld>
+</file>
+
+<file path=ppt/slides/slide6.xml><?xml version="1.0" encoding="utf-8"?>
 <p:sld xmlns:a="http://schemas.openxmlformats.org/drawingml/2006/main" xmlns:r="http://schemas.openxmlformats.org/officeDocument/2006/relationships" xmlns:p="http://schemas.openxmlformats.org/presentationml/2006/main">
   <p:cSld>
     <p:spTree>
